--- a/The Game of Chess.pptx
+++ b/The Game of Chess.pptx
@@ -5,10 +5,10 @@
     <p:sldMasterId id="2147483648" r:id="rId4"/>
   </p:sldMasterIdLst>
   <p:notesMasterIdLst>
-    <p:notesMasterId r:id="rId13"/>
+    <p:notesMasterId r:id="rId12"/>
   </p:notesMasterIdLst>
   <p:handoutMasterIdLst>
-    <p:handoutMasterId r:id="rId14"/>
+    <p:handoutMasterId r:id="rId13"/>
   </p:handoutMasterIdLst>
   <p:sldIdLst>
     <p:sldId id="317" r:id="rId5"/>
@@ -17,8 +17,7 @@
     <p:sldId id="329" r:id="rId8"/>
     <p:sldId id="330" r:id="rId9"/>
     <p:sldId id="325" r:id="rId10"/>
-    <p:sldId id="326" r:id="rId11"/>
-    <p:sldId id="327" r:id="rId12"/>
+    <p:sldId id="327" r:id="rId11"/>
   </p:sldIdLst>
   <p:sldSz cx="12192000" cy="6858000"/>
   <p:notesSz cx="6858000" cy="9144000"/>
@@ -26951,7 +26950,7 @@
           <a:p>
             <a:r>
               <a:rPr lang="en-US" dirty="0"/>
-              <a:t>Use of at least 3 design patter</a:t>
+              <a:t>Use of at least 3 design patterns</a:t>
             </a:r>
           </a:p>
         </p:txBody>
@@ -26977,7 +26976,64 @@
           <a:bodyPr/>
           <a:lstStyle/>
           <a:p>
-            <a:endParaRPr lang="en-US"/>
+            <a:r>
+              <a:rPr lang="en-US" dirty="0"/>
+              <a:t>Strategy – Different implementations for different pieces</a:t>
+            </a:r>
+          </a:p>
+          <a:p>
+            <a:pPr lvl="1"/>
+            <a:r>
+              <a:rPr lang="en-US" dirty="0"/>
+              <a:t>Possible moves</a:t>
+            </a:r>
+          </a:p>
+          <a:p>
+            <a:pPr lvl="1"/>
+            <a:r>
+              <a:rPr lang="en-US" dirty="0"/>
+              <a:t>Protect moves</a:t>
+            </a:r>
+          </a:p>
+          <a:p>
+            <a:r>
+              <a:rPr lang="en-US" dirty="0"/>
+              <a:t>Observer – When pieces change, so does the board</a:t>
+            </a:r>
+          </a:p>
+          <a:p>
+            <a:pPr lvl="1"/>
+            <a:r>
+              <a:rPr lang="en-US" dirty="0"/>
+              <a:t>Piece locations</a:t>
+            </a:r>
+          </a:p>
+          <a:p>
+            <a:pPr lvl="1"/>
+            <a:r>
+              <a:rPr lang="en-US" dirty="0"/>
+              <a:t>Highlighted squares</a:t>
+            </a:r>
+          </a:p>
+          <a:p>
+            <a:r>
+              <a:rPr lang="en-US" dirty="0"/>
+              <a:t>State – States for each piece and each end game</a:t>
+            </a:r>
+          </a:p>
+          <a:p>
+            <a:pPr lvl="1"/>
+            <a:r>
+              <a:rPr lang="en-US" dirty="0"/>
+              <a:t>Pieces/Move possibilities</a:t>
+            </a:r>
+          </a:p>
+          <a:p>
+            <a:pPr lvl="1"/>
+            <a:r>
+              <a:rPr lang="en-US" dirty="0"/>
+              <a:t>Check/Checkmate/Stalemate</a:t>
+            </a:r>
           </a:p>
         </p:txBody>
       </p:sp>
@@ -27090,7 +27146,11 @@
           <a:bodyPr/>
           <a:lstStyle/>
           <a:p>
-            <a:endParaRPr lang="en-US"/>
+            <a:r>
+              <a:rPr lang="en-US"/>
+              <a:t>Unit-testing</a:t>
+            </a:r>
+            <a:endParaRPr lang="en-US" dirty="0"/>
           </a:p>
         </p:txBody>
       </p:sp>
@@ -27314,7 +27374,12 @@
             <p:ph sz="quarter" idx="10"/>
           </p:nvPr>
         </p:nvSpPr>
-        <p:spPr/>
+        <p:spPr>
+          <a:xfrm>
+            <a:off x="804672" y="2342849"/>
+            <a:ext cx="7150608" cy="3356576"/>
+          </a:xfrm>
+        </p:spPr>
         <p:txBody>
           <a:bodyPr/>
           <a:lstStyle/>
@@ -27376,16 +27441,15 @@
           </p:cNvPicPr>
           <p:nvPr/>
         </p:nvPicPr>
-        <p:blipFill>
+        <p:blipFill rotWithShape="1">
           <a:blip r:embed="rId3"/>
-          <a:stretch>
-            <a:fillRect/>
-          </a:stretch>
+          <a:srcRect l="8008" t="-297" r="49483" b="15456"/>
+          <a:stretch/>
         </p:blipFill>
         <p:spPr>
           <a:xfrm>
-            <a:off x="8855509" y="1828800"/>
-            <a:ext cx="2828999" cy="1251600"/>
+            <a:off x="6318505" y="230112"/>
+            <a:ext cx="2392740" cy="2112738"/>
           </a:xfrm>
           <a:prstGeom prst="rect">
             <a:avLst/>
@@ -27406,16 +27470,15 @@
           </p:cNvPicPr>
           <p:nvPr/>
         </p:nvPicPr>
-        <p:blipFill>
+        <p:blipFill rotWithShape="1">
           <a:blip r:embed="rId4"/>
-          <a:stretch>
-            <a:fillRect/>
-          </a:stretch>
+          <a:srcRect l="151" t="1259" r="29778" b="2900"/>
+          <a:stretch/>
         </p:blipFill>
         <p:spPr>
           <a:xfrm>
-            <a:off x="8826486" y="259363"/>
-            <a:ext cx="2887043" cy="1310074"/>
+            <a:off x="8711244" y="236660"/>
+            <a:ext cx="3393416" cy="2106189"/>
           </a:xfrm>
           <a:prstGeom prst="rect">
             <a:avLst/>
@@ -27436,16 +27499,15 @@
           </p:cNvPicPr>
           <p:nvPr/>
         </p:nvPicPr>
-        <p:blipFill>
+        <p:blipFill rotWithShape="1">
           <a:blip r:embed="rId5"/>
-          <a:stretch>
-            <a:fillRect/>
-          </a:stretch>
+          <a:srcRect r="31302"/>
+          <a:stretch/>
         </p:blipFill>
         <p:spPr>
           <a:xfrm>
-            <a:off x="8581630" y="3326143"/>
-            <a:ext cx="3125674" cy="1417900"/>
+            <a:off x="8462704" y="2342849"/>
+            <a:ext cx="3641956" cy="2404872"/>
           </a:xfrm>
           <a:prstGeom prst="rect">
             <a:avLst/>
@@ -27498,40 +27560,20 @@
             <p:ph type="title"/>
           </p:nvPr>
         </p:nvSpPr>
-        <p:spPr/>
+        <p:spPr>
+          <a:xfrm>
+            <a:off x="688306" y="144780"/>
+            <a:ext cx="7534656" cy="914400"/>
+          </a:xfrm>
+        </p:spPr>
         <p:txBody>
           <a:bodyPr/>
           <a:lstStyle/>
           <a:p>
             <a:r>
               <a:rPr lang="en-US" dirty="0"/>
-              <a:t>Teamwork</a:t>
+              <a:t>4+1 Views</a:t>
             </a:r>
-          </a:p>
-        </p:txBody>
-      </p:sp>
-      <p:sp>
-        <p:nvSpPr>
-          <p:cNvPr id="3" name="Content Placeholder 2">
-            <a:extLst>
-              <a:ext uri="{FF2B5EF4-FFF2-40B4-BE49-F238E27FC236}">
-                <a16:creationId xmlns:a16="http://schemas.microsoft.com/office/drawing/2014/main" id="{0F6BB030-7C95-4804-AD32-4855EEF1E2F0}"/>
-              </a:ext>
-            </a:extLst>
-          </p:cNvPr>
-          <p:cNvSpPr>
-            <a:spLocks noGrp="1"/>
-          </p:cNvSpPr>
-          <p:nvPr>
-            <p:ph sz="quarter" idx="10"/>
-          </p:nvPr>
-        </p:nvSpPr>
-        <p:spPr/>
-        <p:txBody>
-          <a:bodyPr/>
-          <a:lstStyle/>
-          <a:p>
-            <a:endParaRPr lang="en-US" dirty="0"/>
           </a:p>
         </p:txBody>
       </p:sp>
@@ -27565,116 +27607,328 @@
           </a:p>
         </p:txBody>
       </p:sp>
-    </p:spTree>
-    <p:extLst>
-      <p:ext uri="{BB962C8B-B14F-4D97-AF65-F5344CB8AC3E}">
-        <p14:creationId xmlns:p14="http://schemas.microsoft.com/office/powerpoint/2010/main" val="3145110575"/>
-      </p:ext>
-    </p:extLst>
-  </p:cSld>
-  <p:clrMapOvr>
-    <a:masterClrMapping/>
-  </p:clrMapOvr>
-</p:sld>
-</file>
-
-<file path=ppt/slides/slide8.xml><?xml version="1.0" encoding="utf-8"?>
-<p:sld xmlns:a="http://schemas.openxmlformats.org/drawingml/2006/main" xmlns:r="http://schemas.openxmlformats.org/officeDocument/2006/relationships" xmlns:p="http://schemas.openxmlformats.org/presentationml/2006/main">
-  <p:cSld>
-    <p:spTree>
-      <p:nvGrpSpPr>
-        <p:cNvPr id="1" name=""/>
-        <p:cNvGrpSpPr/>
-        <p:nvPr/>
-      </p:nvGrpSpPr>
-      <p:grpSpPr>
-        <a:xfrm>
-          <a:off x="0" y="0"/>
-          <a:ext cx="0" cy="0"/>
-          <a:chOff x="0" y="0"/>
-          <a:chExt cx="0" cy="0"/>
-        </a:xfrm>
-      </p:grpSpPr>
-      <p:sp>
-        <p:nvSpPr>
-          <p:cNvPr id="2" name="Title 1">
+      <p:pic>
+        <p:nvPicPr>
+          <p:cNvPr id="6" name="Picture 5">
             <a:extLst>
               <a:ext uri="{FF2B5EF4-FFF2-40B4-BE49-F238E27FC236}">
-                <a16:creationId xmlns:a16="http://schemas.microsoft.com/office/drawing/2014/main" id="{9CFECF6E-0B0D-8D37-8962-E4C1F0631643}"/>
+                <a16:creationId xmlns:a16="http://schemas.microsoft.com/office/drawing/2014/main" id="{259677D6-06FB-9F5D-5B80-FF6D0AB740B0}"/>
               </a:ext>
             </a:extLst>
           </p:cNvPr>
-          <p:cNvSpPr>
-            <a:spLocks noGrp="1"/>
-          </p:cNvSpPr>
-          <p:nvPr>
-            <p:ph type="title"/>
-          </p:nvPr>
+          <p:cNvPicPr>
+            <a:picLocks noChangeAspect="1"/>
+          </p:cNvPicPr>
+          <p:nvPr/>
+        </p:nvPicPr>
+        <p:blipFill>
+          <a:blip r:embed="rId2"/>
+          <a:stretch>
+            <a:fillRect/>
+          </a:stretch>
+        </p:blipFill>
+        <p:spPr>
+          <a:xfrm>
+            <a:off x="538842" y="3044475"/>
+            <a:ext cx="4799268" cy="2556619"/>
+          </a:xfrm>
+          <a:prstGeom prst="rect">
+            <a:avLst/>
+          </a:prstGeom>
+        </p:spPr>
+      </p:pic>
+      <p:pic>
+        <p:nvPicPr>
+          <p:cNvPr id="8" name="Picture 7">
+            <a:extLst>
+              <a:ext uri="{FF2B5EF4-FFF2-40B4-BE49-F238E27FC236}">
+                <a16:creationId xmlns:a16="http://schemas.microsoft.com/office/drawing/2014/main" id="{E909C25D-8298-6DE8-457D-925EEFD275F1}"/>
+              </a:ext>
+            </a:extLst>
+          </p:cNvPr>
+          <p:cNvPicPr>
+            <a:picLocks noChangeAspect="1"/>
+          </p:cNvPicPr>
+          <p:nvPr/>
+        </p:nvPicPr>
+        <p:blipFill>
+          <a:blip r:embed="rId3"/>
+          <a:stretch>
+            <a:fillRect/>
+          </a:stretch>
+        </p:blipFill>
+        <p:spPr>
+          <a:xfrm>
+            <a:off x="9869424" y="3233316"/>
+            <a:ext cx="1876991" cy="1949649"/>
+          </a:xfrm>
+          <a:prstGeom prst="rect">
+            <a:avLst/>
+          </a:prstGeom>
+        </p:spPr>
+      </p:pic>
+      <p:pic>
+        <p:nvPicPr>
+          <p:cNvPr id="12" name="Picture 11">
+            <a:extLst>
+              <a:ext uri="{FF2B5EF4-FFF2-40B4-BE49-F238E27FC236}">
+                <a16:creationId xmlns:a16="http://schemas.microsoft.com/office/drawing/2014/main" id="{5AA4C084-F68D-864A-6C51-8A8AAF2C9DAF}"/>
+              </a:ext>
+            </a:extLst>
+          </p:cNvPr>
+          <p:cNvPicPr>
+            <a:picLocks noChangeAspect="1"/>
+          </p:cNvPicPr>
+          <p:nvPr/>
+        </p:nvPicPr>
+        <p:blipFill>
+          <a:blip r:embed="rId4"/>
+          <a:stretch>
+            <a:fillRect/>
+          </a:stretch>
+        </p:blipFill>
+        <p:spPr>
+          <a:xfrm>
+            <a:off x="538842" y="1059180"/>
+            <a:ext cx="10182282" cy="1359494"/>
+          </a:xfrm>
+          <a:prstGeom prst="rect">
+            <a:avLst/>
+          </a:prstGeom>
+        </p:spPr>
+      </p:pic>
+      <p:pic>
+        <p:nvPicPr>
+          <p:cNvPr id="14" name="Picture 13">
+            <a:extLst>
+              <a:ext uri="{FF2B5EF4-FFF2-40B4-BE49-F238E27FC236}">
+                <a16:creationId xmlns:a16="http://schemas.microsoft.com/office/drawing/2014/main" id="{CBC828BD-75A9-ABEE-7A87-24A84B091A2B}"/>
+              </a:ext>
+            </a:extLst>
+          </p:cNvPr>
+          <p:cNvPicPr>
+            <a:picLocks noChangeAspect="1"/>
+          </p:cNvPicPr>
+          <p:nvPr/>
+        </p:nvPicPr>
+        <p:blipFill>
+          <a:blip r:embed="rId5"/>
+          <a:stretch>
+            <a:fillRect/>
+          </a:stretch>
+        </p:blipFill>
+        <p:spPr>
+          <a:xfrm>
+            <a:off x="5436809" y="2554877"/>
+            <a:ext cx="1417083" cy="3306528"/>
+          </a:xfrm>
+          <a:prstGeom prst="rect">
+            <a:avLst/>
+          </a:prstGeom>
+        </p:spPr>
+      </p:pic>
+      <p:pic>
+        <p:nvPicPr>
+          <p:cNvPr id="16" name="Picture 15">
+            <a:extLst>
+              <a:ext uri="{FF2B5EF4-FFF2-40B4-BE49-F238E27FC236}">
+                <a16:creationId xmlns:a16="http://schemas.microsoft.com/office/drawing/2014/main" id="{7B6F5956-7355-C29A-F688-B8957EAB6749}"/>
+              </a:ext>
+            </a:extLst>
+          </p:cNvPr>
+          <p:cNvPicPr>
+            <a:picLocks noChangeAspect="1"/>
+          </p:cNvPicPr>
+          <p:nvPr/>
+        </p:nvPicPr>
+        <p:blipFill>
+          <a:blip r:embed="rId6"/>
+          <a:stretch>
+            <a:fillRect/>
+          </a:stretch>
+        </p:blipFill>
+        <p:spPr>
+          <a:xfrm>
+            <a:off x="6952591" y="2554877"/>
+            <a:ext cx="2796798" cy="3535816"/>
+          </a:xfrm>
+          <a:prstGeom prst="rect">
+            <a:avLst/>
+          </a:prstGeom>
+        </p:spPr>
+      </p:pic>
+      <p:sp>
+        <p:nvSpPr>
+          <p:cNvPr id="17" name="TextBox 16">
+            <a:extLst>
+              <a:ext uri="{FF2B5EF4-FFF2-40B4-BE49-F238E27FC236}">
+                <a16:creationId xmlns:a16="http://schemas.microsoft.com/office/drawing/2014/main" id="{E14429AF-4DCC-F837-EA91-3FF2EBA7219A}"/>
+              </a:ext>
+            </a:extLst>
+          </p:cNvPr>
+          <p:cNvSpPr txBox="1"/>
+          <p:nvPr/>
         </p:nvSpPr>
-        <p:spPr/>
+        <p:spPr>
+          <a:xfrm>
+            <a:off x="538842" y="5601094"/>
+            <a:ext cx="925510" cy="369332"/>
+          </a:xfrm>
+          <a:prstGeom prst="rect">
+            <a:avLst/>
+          </a:prstGeom>
+          <a:noFill/>
+        </p:spPr>
         <p:txBody>
-          <a:bodyPr/>
+          <a:bodyPr wrap="none" rtlCol="0">
+            <a:spAutoFit/>
+          </a:bodyPr>
           <a:lstStyle/>
           <a:p>
             <a:r>
               <a:rPr lang="en-US" dirty="0"/>
-              <a:t>4+1 Views</a:t>
+              <a:t>Context</a:t>
             </a:r>
           </a:p>
         </p:txBody>
       </p:sp>
       <p:sp>
         <p:nvSpPr>
-          <p:cNvPr id="3" name="Content Placeholder 2">
+          <p:cNvPr id="18" name="TextBox 17">
             <a:extLst>
               <a:ext uri="{FF2B5EF4-FFF2-40B4-BE49-F238E27FC236}">
-                <a16:creationId xmlns:a16="http://schemas.microsoft.com/office/drawing/2014/main" id="{0F6BB030-7C95-4804-AD32-4855EEF1E2F0}"/>
+                <a16:creationId xmlns:a16="http://schemas.microsoft.com/office/drawing/2014/main" id="{908C87EA-2ED4-714D-EE75-4AC514D46CF6}"/>
               </a:ext>
             </a:extLst>
           </p:cNvPr>
-          <p:cNvSpPr>
-            <a:spLocks noGrp="1"/>
-          </p:cNvSpPr>
-          <p:nvPr>
-            <p:ph sz="quarter" idx="10"/>
-          </p:nvPr>
+          <p:cNvSpPr txBox="1"/>
+          <p:nvPr/>
         </p:nvSpPr>
-        <p:spPr/>
+        <p:spPr>
+          <a:xfrm>
+            <a:off x="545366" y="2418674"/>
+            <a:ext cx="647293" cy="369332"/>
+          </a:xfrm>
+          <a:prstGeom prst="rect">
+            <a:avLst/>
+          </a:prstGeom>
+          <a:noFill/>
+        </p:spPr>
         <p:txBody>
-          <a:bodyPr/>
+          <a:bodyPr wrap="none" rtlCol="0">
+            <a:spAutoFit/>
+          </a:bodyPr>
           <a:lstStyle/>
           <a:p>
-            <a:endParaRPr lang="en-US" dirty="0"/>
+            <a:r>
+              <a:rPr lang="en-US" dirty="0"/>
+              <a:t>Logic</a:t>
+            </a:r>
           </a:p>
         </p:txBody>
       </p:sp>
       <p:sp>
         <p:nvSpPr>
-          <p:cNvPr id="4" name="Slide Number Placeholder 3">
+          <p:cNvPr id="19" name="TextBox 18">
             <a:extLst>
               <a:ext uri="{FF2B5EF4-FFF2-40B4-BE49-F238E27FC236}">
-                <a16:creationId xmlns:a16="http://schemas.microsoft.com/office/drawing/2014/main" id="{E8FF81C6-1880-EB9E-68A4-5D382D5C339E}"/>
+                <a16:creationId xmlns:a16="http://schemas.microsoft.com/office/drawing/2014/main" id="{4D5E3A4F-022A-1B9F-15B4-03E28A9A322C}"/>
               </a:ext>
             </a:extLst>
           </p:cNvPr>
-          <p:cNvSpPr>
-            <a:spLocks noGrp="1"/>
-          </p:cNvSpPr>
-          <p:nvPr>
-            <p:ph type="sldNum" sz="quarter" idx="4"/>
-          </p:nvPr>
+          <p:cNvSpPr txBox="1"/>
+          <p:nvPr/>
         </p:nvSpPr>
-        <p:spPr/>
+        <p:spPr>
+          <a:xfrm>
+            <a:off x="5436809" y="5861405"/>
+            <a:ext cx="864339" cy="369332"/>
+          </a:xfrm>
+          <a:prstGeom prst="rect">
+            <a:avLst/>
+          </a:prstGeom>
+          <a:noFill/>
+        </p:spPr>
         <p:txBody>
-          <a:bodyPr/>
+          <a:bodyPr wrap="none" rtlCol="0">
+            <a:spAutoFit/>
+          </a:bodyPr>
           <a:lstStyle/>
           <a:p>
-            <a:fld id="{58FB4751-880F-D840-AAA9-3A15815CC996}" type="slidenum">
-              <a:rPr lang="en-US" smtClean="0"/>
-              <a:pPr/>
-              <a:t>8</a:t>
-            </a:fld>
-            <a:endParaRPr lang="en-US" dirty="0"/>
+            <a:r>
+              <a:rPr lang="en-US" dirty="0"/>
+              <a:t>Physical</a:t>
+            </a:r>
+          </a:p>
+        </p:txBody>
+      </p:sp>
+      <p:sp>
+        <p:nvSpPr>
+          <p:cNvPr id="20" name="TextBox 19">
+            <a:extLst>
+              <a:ext uri="{FF2B5EF4-FFF2-40B4-BE49-F238E27FC236}">
+                <a16:creationId xmlns:a16="http://schemas.microsoft.com/office/drawing/2014/main" id="{9B1AFD90-BE69-854B-E9D2-42F17159CF6F}"/>
+              </a:ext>
+            </a:extLst>
+          </p:cNvPr>
+          <p:cNvSpPr txBox="1"/>
+          <p:nvPr/>
+        </p:nvSpPr>
+        <p:spPr>
+          <a:xfrm>
+            <a:off x="6952591" y="6090693"/>
+            <a:ext cx="864532" cy="369332"/>
+          </a:xfrm>
+          <a:prstGeom prst="rect">
+            <a:avLst/>
+          </a:prstGeom>
+          <a:noFill/>
+        </p:spPr>
+        <p:txBody>
+          <a:bodyPr wrap="none" rtlCol="0">
+            <a:spAutoFit/>
+          </a:bodyPr>
+          <a:lstStyle/>
+          <a:p>
+            <a:r>
+              <a:rPr lang="en-US" dirty="0"/>
+              <a:t>Process</a:t>
+            </a:r>
+          </a:p>
+        </p:txBody>
+      </p:sp>
+      <p:sp>
+        <p:nvSpPr>
+          <p:cNvPr id="21" name="TextBox 20">
+            <a:extLst>
+              <a:ext uri="{FF2B5EF4-FFF2-40B4-BE49-F238E27FC236}">
+                <a16:creationId xmlns:a16="http://schemas.microsoft.com/office/drawing/2014/main" id="{B0FDC581-0D00-D851-8AC7-B8C9F9A87C6E}"/>
+              </a:ext>
+            </a:extLst>
+          </p:cNvPr>
+          <p:cNvSpPr txBox="1"/>
+          <p:nvPr/>
+        </p:nvSpPr>
+        <p:spPr>
+          <a:xfrm>
+            <a:off x="9869424" y="5182965"/>
+            <a:ext cx="1403398" cy="369332"/>
+          </a:xfrm>
+          <a:prstGeom prst="rect">
+            <a:avLst/>
+          </a:prstGeom>
+          <a:noFill/>
+        </p:spPr>
+        <p:txBody>
+          <a:bodyPr wrap="none" rtlCol="0">
+            <a:spAutoFit/>
+          </a:bodyPr>
+          <a:lstStyle/>
+          <a:p>
+            <a:r>
+              <a:rPr lang="en-US" dirty="0"/>
+              <a:t>Development</a:t>
+            </a:r>
           </a:p>
         </p:txBody>
       </p:sp>
@@ -28483,6 +28737,15 @@
 </file>
 
 <file path=customXml/item1.xml><?xml version="1.0" encoding="utf-8"?>
+<?mso-contentType ?>
+<FormTemplates xmlns="http://schemas.microsoft.com/sharepoint/v3/contenttype/forms">
+  <Display>DocumentLibraryForm</Display>
+  <Edit>DocumentLibraryForm</Edit>
+  <New>DocumentLibraryForm</New>
+</FormTemplates>
+</file>
+
+<file path=customXml/item2.xml><?xml version="1.0" encoding="utf-8"?>
 <ct:contentTypeSchema xmlns:ct="http://schemas.microsoft.com/office/2006/metadata/contentType" xmlns:ma="http://schemas.microsoft.com/office/2006/metadata/properties/metaAttributes" ct:_="" ma:_="" ma:contentTypeName="Document" ma:contentTypeID="0x01010079F111ED35F8CC479449609E8A0923A6" ma:contentTypeVersion="28" ma:contentTypeDescription="Create a new document." ma:contentTypeScope="" ma:versionID="60f5a4f2d2b0abadcf532d48ebf9cb71">
   <xsd:schema xmlns:xsd="http://www.w3.org/2001/XMLSchema" xmlns:xs="http://www.w3.org/2001/XMLSchema" xmlns:p="http://schemas.microsoft.com/office/2006/metadata/properties" xmlns:ns1="http://schemas.microsoft.com/sharepoint/v3" xmlns:ns2="71af3243-3dd4-4a8d-8c0d-dd76da1f02a5" xmlns:ns3="16c05727-aa75-4e4a-9b5f-8a80a1165891" xmlns:ns4="230e9df3-be65-4c73-a93b-d1236ebd677e" targetNamespace="http://schemas.microsoft.com/office/2006/metadata/properties" ma:root="true" ma:fieldsID="7dd78129e6a1811f84807ad11c651531" ns1:_="" ns2:_="" ns3:_="" ns4:_="">
     <xsd:import namespace="http://schemas.microsoft.com/sharepoint/v3"/>
@@ -28794,15 +29057,6 @@
 </ct:contentTypeSchema>
 </file>
 
-<file path=customXml/item2.xml><?xml version="1.0" encoding="utf-8"?>
-<?mso-contentType ?>
-<FormTemplates xmlns="http://schemas.microsoft.com/sharepoint/v3/contenttype/forms">
-  <Display>DocumentLibraryForm</Display>
-  <Edit>DocumentLibraryForm</Edit>
-  <New>DocumentLibraryForm</New>
-</FormTemplates>
-</file>
-
 <file path=customXml/item3.xml><?xml version="1.0" encoding="utf-8"?>
 <p:properties xmlns:p="http://schemas.microsoft.com/office/2006/metadata/properties" xmlns:xsi="http://www.w3.org/2001/XMLSchema-instance" xmlns:pc="http://schemas.microsoft.com/office/infopath/2007/PartnerControls">
   <documentManagement>
@@ -28824,6 +29078,14 @@
 </file>
 
 <file path=customXml/itemProps1.xml><?xml version="1.0" encoding="utf-8"?>
+<ds:datastoreItem xmlns:ds="http://schemas.openxmlformats.org/officeDocument/2006/customXml" ds:itemID="{1249AD37-9510-4A2D-B790-12C439A83F93}">
+  <ds:schemaRefs>
+    <ds:schemaRef ds:uri="http://schemas.microsoft.com/sharepoint/v3/contenttype/forms"/>
+  </ds:schemaRefs>
+</ds:datastoreItem>
+</file>
+
+<file path=customXml/itemProps2.xml><?xml version="1.0" encoding="utf-8"?>
 <ds:datastoreItem xmlns:ds="http://schemas.openxmlformats.org/officeDocument/2006/customXml" ds:itemID="{4D8B1D1D-0064-435C-8533-29A36067B8ED}">
   <ds:schemaRefs>
     <ds:schemaRef ds:uri="http://schemas.microsoft.com/office/2006/metadata/contentType"/>
@@ -28844,14 +29106,6 @@
 </ds:datastoreItem>
 </file>
 
-<file path=customXml/itemProps2.xml><?xml version="1.0" encoding="utf-8"?>
-<ds:datastoreItem xmlns:ds="http://schemas.openxmlformats.org/officeDocument/2006/customXml" ds:itemID="{1249AD37-9510-4A2D-B790-12C439A83F93}">
-  <ds:schemaRefs>
-    <ds:schemaRef ds:uri="http://schemas.microsoft.com/sharepoint/v3/contenttype/forms"/>
-  </ds:schemaRefs>
-</ds:datastoreItem>
-</file>
-
 <file path=customXml/itemProps3.xml><?xml version="1.0" encoding="utf-8"?>
 <ds:datastoreItem xmlns:ds="http://schemas.openxmlformats.org/officeDocument/2006/customXml" ds:itemID="{85DF9CEC-52C2-4D14-B2F5-11176002A8B6}">
   <ds:schemaRefs>

--- a/The Game of Chess.pptx
+++ b/The Game of Chess.pptx
@@ -221,7 +221,7 @@
           <a:p>
             <a:fld id="{FD913024-4032-4B4F-8680-09D5E08EDB6E}" type="datetimeFigureOut">
               <a:rPr lang="en-US" smtClean="0"/>
-              <a:t>4/23/2024</a:t>
+              <a:t>4/24/2024</a:t>
             </a:fld>
             <a:endParaRPr lang="en-US" dirty="0"/>
           </a:p>
@@ -398,7 +398,7 @@
           <a:p>
             <a:fld id="{F2AE225E-43E0-7047-8ADB-DD9EBB41B4D0}" type="datetimeFigureOut">
               <a:rPr lang="en-US" noProof="0" smtClean="0"/>
-              <a:t>4/23/2024</a:t>
+              <a:t>4/24/2024</a:t>
             </a:fld>
             <a:endParaRPr lang="en-US" noProof="0" dirty="0"/>
           </a:p>
@@ -27230,7 +27230,12 @@
             <p:ph type="title"/>
           </p:nvPr>
         </p:nvSpPr>
-        <p:spPr/>
+        <p:spPr>
+          <a:xfrm>
+            <a:off x="356616" y="0"/>
+            <a:ext cx="7534656" cy="914400"/>
+          </a:xfrm>
+        </p:spPr>
         <p:txBody>
           <a:bodyPr/>
           <a:lstStyle/>
@@ -27238,34 +27243,6 @@
             <a:r>
               <a:rPr lang="en-US" dirty="0"/>
               <a:t>Documentation</a:t>
-            </a:r>
-          </a:p>
-        </p:txBody>
-      </p:sp>
-      <p:sp>
-        <p:nvSpPr>
-          <p:cNvPr id="3" name="Content Placeholder 2">
-            <a:extLst>
-              <a:ext uri="{FF2B5EF4-FFF2-40B4-BE49-F238E27FC236}">
-                <a16:creationId xmlns:a16="http://schemas.microsoft.com/office/drawing/2014/main" id="{B51380F3-FFA7-DBC4-EBDD-1E26697C9EDA}"/>
-              </a:ext>
-            </a:extLst>
-          </p:cNvPr>
-          <p:cNvSpPr>
-            <a:spLocks noGrp="1"/>
-          </p:cNvSpPr>
-          <p:nvPr>
-            <p:ph sz="quarter" idx="10"/>
-          </p:nvPr>
-        </p:nvSpPr>
-        <p:spPr/>
-        <p:txBody>
-          <a:bodyPr/>
-          <a:lstStyle/>
-          <a:p>
-            <a:r>
-              <a:rPr lang="en-US" dirty="0"/>
-              <a:t>UML diagrams</a:t>
             </a:r>
           </a:p>
         </p:txBody>
@@ -27300,6 +27277,66 @@
           </a:p>
         </p:txBody>
       </p:sp>
+      <p:pic>
+        <p:nvPicPr>
+          <p:cNvPr id="6" name="Picture 5">
+            <a:extLst>
+              <a:ext uri="{FF2B5EF4-FFF2-40B4-BE49-F238E27FC236}">
+                <a16:creationId xmlns:a16="http://schemas.microsoft.com/office/drawing/2014/main" id="{7B77544F-D85A-ECAC-5D0D-FE6E1BDABEE8}"/>
+              </a:ext>
+            </a:extLst>
+          </p:cNvPr>
+          <p:cNvPicPr>
+            <a:picLocks noChangeAspect="1"/>
+          </p:cNvPicPr>
+          <p:nvPr/>
+        </p:nvPicPr>
+        <p:blipFill>
+          <a:blip r:embed="rId2"/>
+          <a:stretch>
+            <a:fillRect/>
+          </a:stretch>
+        </p:blipFill>
+        <p:spPr>
+          <a:xfrm>
+            <a:off x="5822352" y="265176"/>
+            <a:ext cx="6099360" cy="5861304"/>
+          </a:xfrm>
+          <a:prstGeom prst="rect">
+            <a:avLst/>
+          </a:prstGeom>
+        </p:spPr>
+      </p:pic>
+      <p:pic>
+        <p:nvPicPr>
+          <p:cNvPr id="8" name="Picture 7">
+            <a:extLst>
+              <a:ext uri="{FF2B5EF4-FFF2-40B4-BE49-F238E27FC236}">
+                <a16:creationId xmlns:a16="http://schemas.microsoft.com/office/drawing/2014/main" id="{6BC48793-574C-8EDE-6916-3C196C057B88}"/>
+              </a:ext>
+            </a:extLst>
+          </p:cNvPr>
+          <p:cNvPicPr>
+            <a:picLocks noChangeAspect="1"/>
+          </p:cNvPicPr>
+          <p:nvPr/>
+        </p:nvPicPr>
+        <p:blipFill>
+          <a:blip r:embed="rId3"/>
+          <a:stretch>
+            <a:fillRect/>
+          </a:stretch>
+        </p:blipFill>
+        <p:spPr>
+          <a:xfrm>
+            <a:off x="356616" y="1160759"/>
+            <a:ext cx="5283215" cy="4719045"/>
+          </a:xfrm>
+          <a:prstGeom prst="rect">
+            <a:avLst/>
+          </a:prstGeom>
+        </p:spPr>
+      </p:pic>
     </p:spTree>
     <p:extLst>
       <p:ext uri="{BB962C8B-B14F-4D97-AF65-F5344CB8AC3E}">
@@ -28737,15 +28774,6 @@
 </file>
 
 <file path=customXml/item1.xml><?xml version="1.0" encoding="utf-8"?>
-<?mso-contentType ?>
-<FormTemplates xmlns="http://schemas.microsoft.com/sharepoint/v3/contenttype/forms">
-  <Display>DocumentLibraryForm</Display>
-  <Edit>DocumentLibraryForm</Edit>
-  <New>DocumentLibraryForm</New>
-</FormTemplates>
-</file>
-
-<file path=customXml/item2.xml><?xml version="1.0" encoding="utf-8"?>
 <ct:contentTypeSchema xmlns:ct="http://schemas.microsoft.com/office/2006/metadata/contentType" xmlns:ma="http://schemas.microsoft.com/office/2006/metadata/properties/metaAttributes" ct:_="" ma:_="" ma:contentTypeName="Document" ma:contentTypeID="0x01010079F111ED35F8CC479449609E8A0923A6" ma:contentTypeVersion="28" ma:contentTypeDescription="Create a new document." ma:contentTypeScope="" ma:versionID="60f5a4f2d2b0abadcf532d48ebf9cb71">
   <xsd:schema xmlns:xsd="http://www.w3.org/2001/XMLSchema" xmlns:xs="http://www.w3.org/2001/XMLSchema" xmlns:p="http://schemas.microsoft.com/office/2006/metadata/properties" xmlns:ns1="http://schemas.microsoft.com/sharepoint/v3" xmlns:ns2="71af3243-3dd4-4a8d-8c0d-dd76da1f02a5" xmlns:ns3="16c05727-aa75-4e4a-9b5f-8a80a1165891" xmlns:ns4="230e9df3-be65-4c73-a93b-d1236ebd677e" targetNamespace="http://schemas.microsoft.com/office/2006/metadata/properties" ma:root="true" ma:fieldsID="7dd78129e6a1811f84807ad11c651531" ns1:_="" ns2:_="" ns3:_="" ns4:_="">
     <xsd:import namespace="http://schemas.microsoft.com/sharepoint/v3"/>
@@ -29057,6 +29085,15 @@
 </ct:contentTypeSchema>
 </file>
 
+<file path=customXml/item2.xml><?xml version="1.0" encoding="utf-8"?>
+<?mso-contentType ?>
+<FormTemplates xmlns="http://schemas.microsoft.com/sharepoint/v3/contenttype/forms">
+  <Display>DocumentLibraryForm</Display>
+  <Edit>DocumentLibraryForm</Edit>
+  <New>DocumentLibraryForm</New>
+</FormTemplates>
+</file>
+
 <file path=customXml/item3.xml><?xml version="1.0" encoding="utf-8"?>
 <p:properties xmlns:p="http://schemas.microsoft.com/office/2006/metadata/properties" xmlns:xsi="http://www.w3.org/2001/XMLSchema-instance" xmlns:pc="http://schemas.microsoft.com/office/infopath/2007/PartnerControls">
   <documentManagement>
@@ -29078,14 +29115,6 @@
 </file>
 
 <file path=customXml/itemProps1.xml><?xml version="1.0" encoding="utf-8"?>
-<ds:datastoreItem xmlns:ds="http://schemas.openxmlformats.org/officeDocument/2006/customXml" ds:itemID="{1249AD37-9510-4A2D-B790-12C439A83F93}">
-  <ds:schemaRefs>
-    <ds:schemaRef ds:uri="http://schemas.microsoft.com/sharepoint/v3/contenttype/forms"/>
-  </ds:schemaRefs>
-</ds:datastoreItem>
-</file>
-
-<file path=customXml/itemProps2.xml><?xml version="1.0" encoding="utf-8"?>
 <ds:datastoreItem xmlns:ds="http://schemas.openxmlformats.org/officeDocument/2006/customXml" ds:itemID="{4D8B1D1D-0064-435C-8533-29A36067B8ED}">
   <ds:schemaRefs>
     <ds:schemaRef ds:uri="http://schemas.microsoft.com/office/2006/metadata/contentType"/>
@@ -29106,6 +29135,14 @@
 </ds:datastoreItem>
 </file>
 
+<file path=customXml/itemProps2.xml><?xml version="1.0" encoding="utf-8"?>
+<ds:datastoreItem xmlns:ds="http://schemas.openxmlformats.org/officeDocument/2006/customXml" ds:itemID="{1249AD37-9510-4A2D-B790-12C439A83F93}">
+  <ds:schemaRefs>
+    <ds:schemaRef ds:uri="http://schemas.microsoft.com/sharepoint/v3/contenttype/forms"/>
+  </ds:schemaRefs>
+</ds:datastoreItem>
+</file>
+
 <file path=customXml/itemProps3.xml><?xml version="1.0" encoding="utf-8"?>
 <ds:datastoreItem xmlns:ds="http://schemas.openxmlformats.org/officeDocument/2006/customXml" ds:itemID="{85DF9CEC-52C2-4D14-B2F5-11176002A8B6}">
   <ds:schemaRefs>

--- a/The Game of Chess.pptx
+++ b/The Game of Chess.pptx
@@ -221,7 +221,7 @@
           <a:p>
             <a:fld id="{FD913024-4032-4B4F-8680-09D5E08EDB6E}" type="datetimeFigureOut">
               <a:rPr lang="en-US" smtClean="0"/>
-              <a:t>4/24/2024</a:t>
+              <a:t>4/25/2024</a:t>
             </a:fld>
             <a:endParaRPr lang="en-US" dirty="0"/>
           </a:p>
@@ -398,7 +398,7 @@
           <a:p>
             <a:fld id="{F2AE225E-43E0-7047-8ADB-DD9EBB41B4D0}" type="datetimeFigureOut">
               <a:rPr lang="en-US" noProof="0" smtClean="0"/>
-              <a:t>4/24/2024</a:t>
+              <a:t>4/25/2024</a:t>
             </a:fld>
             <a:endParaRPr lang="en-US" noProof="0" dirty="0"/>
           </a:p>
@@ -27279,10 +27279,10 @@
       </p:sp>
       <p:pic>
         <p:nvPicPr>
-          <p:cNvPr id="6" name="Picture 5">
+          <p:cNvPr id="8" name="Picture 7">
             <a:extLst>
               <a:ext uri="{FF2B5EF4-FFF2-40B4-BE49-F238E27FC236}">
-                <a16:creationId xmlns:a16="http://schemas.microsoft.com/office/drawing/2014/main" id="{7B77544F-D85A-ECAC-5D0D-FE6E1BDABEE8}"/>
+                <a16:creationId xmlns:a16="http://schemas.microsoft.com/office/drawing/2014/main" id="{6BC48793-574C-8EDE-6916-3C196C057B88}"/>
               </a:ext>
             </a:extLst>
           </p:cNvPr>
@@ -27299,8 +27299,8 @@
         </p:blipFill>
         <p:spPr>
           <a:xfrm>
-            <a:off x="5822352" y="265176"/>
-            <a:ext cx="6099360" cy="5861304"/>
+            <a:off x="812785" y="1160759"/>
+            <a:ext cx="5283215" cy="4719045"/>
           </a:xfrm>
           <a:prstGeom prst="rect">
             <a:avLst/>
@@ -27309,10 +27309,10 @@
       </p:pic>
       <p:pic>
         <p:nvPicPr>
-          <p:cNvPr id="8" name="Picture 7">
+          <p:cNvPr id="5" name="Picture 4">
             <a:extLst>
               <a:ext uri="{FF2B5EF4-FFF2-40B4-BE49-F238E27FC236}">
-                <a16:creationId xmlns:a16="http://schemas.microsoft.com/office/drawing/2014/main" id="{6BC48793-574C-8EDE-6916-3C196C057B88}"/>
+                <a16:creationId xmlns:a16="http://schemas.microsoft.com/office/drawing/2014/main" id="{2F202EA9-F0EA-D1F4-51C3-3AB4B4BB22E3}"/>
               </a:ext>
             </a:extLst>
           </p:cNvPr>
@@ -27329,8 +27329,8 @@
         </p:blipFill>
         <p:spPr>
           <a:xfrm>
-            <a:off x="356616" y="1160759"/>
-            <a:ext cx="5283215" cy="4719045"/>
+            <a:off x="6797977" y="261163"/>
+            <a:ext cx="3752035" cy="6335673"/>
           </a:xfrm>
           <a:prstGeom prst="rect">
             <a:avLst/>
@@ -28774,6 +28774,15 @@
 </file>
 
 <file path=customXml/item1.xml><?xml version="1.0" encoding="utf-8"?>
+<?mso-contentType ?>
+<FormTemplates xmlns="http://schemas.microsoft.com/sharepoint/v3/contenttype/forms">
+  <Display>DocumentLibraryForm</Display>
+  <Edit>DocumentLibraryForm</Edit>
+  <New>DocumentLibraryForm</New>
+</FormTemplates>
+</file>
+
+<file path=customXml/item2.xml><?xml version="1.0" encoding="utf-8"?>
 <ct:contentTypeSchema xmlns:ct="http://schemas.microsoft.com/office/2006/metadata/contentType" xmlns:ma="http://schemas.microsoft.com/office/2006/metadata/properties/metaAttributes" ct:_="" ma:_="" ma:contentTypeName="Document" ma:contentTypeID="0x01010079F111ED35F8CC479449609E8A0923A6" ma:contentTypeVersion="28" ma:contentTypeDescription="Create a new document." ma:contentTypeScope="" ma:versionID="60f5a4f2d2b0abadcf532d48ebf9cb71">
   <xsd:schema xmlns:xsd="http://www.w3.org/2001/XMLSchema" xmlns:xs="http://www.w3.org/2001/XMLSchema" xmlns:p="http://schemas.microsoft.com/office/2006/metadata/properties" xmlns:ns1="http://schemas.microsoft.com/sharepoint/v3" xmlns:ns2="71af3243-3dd4-4a8d-8c0d-dd76da1f02a5" xmlns:ns3="16c05727-aa75-4e4a-9b5f-8a80a1165891" xmlns:ns4="230e9df3-be65-4c73-a93b-d1236ebd677e" targetNamespace="http://schemas.microsoft.com/office/2006/metadata/properties" ma:root="true" ma:fieldsID="7dd78129e6a1811f84807ad11c651531" ns1:_="" ns2:_="" ns3:_="" ns4:_="">
     <xsd:import namespace="http://schemas.microsoft.com/sharepoint/v3"/>
@@ -29085,15 +29094,6 @@
 </ct:contentTypeSchema>
 </file>
 
-<file path=customXml/item2.xml><?xml version="1.0" encoding="utf-8"?>
-<?mso-contentType ?>
-<FormTemplates xmlns="http://schemas.microsoft.com/sharepoint/v3/contenttype/forms">
-  <Display>DocumentLibraryForm</Display>
-  <Edit>DocumentLibraryForm</Edit>
-  <New>DocumentLibraryForm</New>
-</FormTemplates>
-</file>
-
 <file path=customXml/item3.xml><?xml version="1.0" encoding="utf-8"?>
 <p:properties xmlns:p="http://schemas.microsoft.com/office/2006/metadata/properties" xmlns:xsi="http://www.w3.org/2001/XMLSchema-instance" xmlns:pc="http://schemas.microsoft.com/office/infopath/2007/PartnerControls">
   <documentManagement>
@@ -29115,6 +29115,14 @@
 </file>
 
 <file path=customXml/itemProps1.xml><?xml version="1.0" encoding="utf-8"?>
+<ds:datastoreItem xmlns:ds="http://schemas.openxmlformats.org/officeDocument/2006/customXml" ds:itemID="{1249AD37-9510-4A2D-B790-12C439A83F93}">
+  <ds:schemaRefs>
+    <ds:schemaRef ds:uri="http://schemas.microsoft.com/sharepoint/v3/contenttype/forms"/>
+  </ds:schemaRefs>
+</ds:datastoreItem>
+</file>
+
+<file path=customXml/itemProps2.xml><?xml version="1.0" encoding="utf-8"?>
 <ds:datastoreItem xmlns:ds="http://schemas.openxmlformats.org/officeDocument/2006/customXml" ds:itemID="{4D8B1D1D-0064-435C-8533-29A36067B8ED}">
   <ds:schemaRefs>
     <ds:schemaRef ds:uri="http://schemas.microsoft.com/office/2006/metadata/contentType"/>
@@ -29135,14 +29143,6 @@
 </ds:datastoreItem>
 </file>
 
-<file path=customXml/itemProps2.xml><?xml version="1.0" encoding="utf-8"?>
-<ds:datastoreItem xmlns:ds="http://schemas.openxmlformats.org/officeDocument/2006/customXml" ds:itemID="{1249AD37-9510-4A2D-B790-12C439A83F93}">
-  <ds:schemaRefs>
-    <ds:schemaRef ds:uri="http://schemas.microsoft.com/sharepoint/v3/contenttype/forms"/>
-  </ds:schemaRefs>
-</ds:datastoreItem>
-</file>
-
 <file path=customXml/itemProps3.xml><?xml version="1.0" encoding="utf-8"?>
 <ds:datastoreItem xmlns:ds="http://schemas.openxmlformats.org/officeDocument/2006/customXml" ds:itemID="{85DF9CEC-52C2-4D14-B2F5-11176002A8B6}">
   <ds:schemaRefs>

--- a/The Game of Chess.pptx
+++ b/The Game of Chess.pptx
@@ -5,19 +5,18 @@
     <p:sldMasterId id="2147483648" r:id="rId4"/>
   </p:sldMasterIdLst>
   <p:notesMasterIdLst>
-    <p:notesMasterId r:id="rId12"/>
+    <p:notesMasterId r:id="rId11"/>
   </p:notesMasterIdLst>
   <p:handoutMasterIdLst>
-    <p:handoutMasterId r:id="rId13"/>
+    <p:handoutMasterId r:id="rId12"/>
   </p:handoutMasterIdLst>
   <p:sldIdLst>
     <p:sldId id="317" r:id="rId5"/>
     <p:sldId id="321" r:id="rId6"/>
     <p:sldId id="328" r:id="rId7"/>
-    <p:sldId id="329" r:id="rId8"/>
-    <p:sldId id="330" r:id="rId9"/>
-    <p:sldId id="325" r:id="rId10"/>
-    <p:sldId id="327" r:id="rId11"/>
+    <p:sldId id="330" r:id="rId8"/>
+    <p:sldId id="325" r:id="rId9"/>
+    <p:sldId id="327" r:id="rId10"/>
   </p:sldIdLst>
   <p:sldSz cx="12192000" cy="6858000"/>
   <p:notesSz cx="6858000" cy="9144000"/>
@@ -27102,123 +27101,6 @@
           <p:cNvPr id="2" name="Title 1">
             <a:extLst>
               <a:ext uri="{FF2B5EF4-FFF2-40B4-BE49-F238E27FC236}">
-                <a16:creationId xmlns:a16="http://schemas.microsoft.com/office/drawing/2014/main" id="{D2D50458-F363-DCBF-A081-CA5FCD4565FF}"/>
-              </a:ext>
-            </a:extLst>
-          </p:cNvPr>
-          <p:cNvSpPr>
-            <a:spLocks noGrp="1"/>
-          </p:cNvSpPr>
-          <p:nvPr>
-            <p:ph type="title"/>
-          </p:nvPr>
-        </p:nvSpPr>
-        <p:spPr/>
-        <p:txBody>
-          <a:bodyPr/>
-          <a:lstStyle/>
-          <a:p>
-            <a:r>
-              <a:rPr lang="en-US" dirty="0"/>
-              <a:t>Testing for correctness</a:t>
-            </a:r>
-          </a:p>
-        </p:txBody>
-      </p:sp>
-      <p:sp>
-        <p:nvSpPr>
-          <p:cNvPr id="3" name="Content Placeholder 2">
-            <a:extLst>
-              <a:ext uri="{FF2B5EF4-FFF2-40B4-BE49-F238E27FC236}">
-                <a16:creationId xmlns:a16="http://schemas.microsoft.com/office/drawing/2014/main" id="{5E72A27C-6D0E-E66C-1FDC-F46D744E29D0}"/>
-              </a:ext>
-            </a:extLst>
-          </p:cNvPr>
-          <p:cNvSpPr>
-            <a:spLocks noGrp="1"/>
-          </p:cNvSpPr>
-          <p:nvPr>
-            <p:ph sz="quarter" idx="10"/>
-          </p:nvPr>
-        </p:nvSpPr>
-        <p:spPr/>
-        <p:txBody>
-          <a:bodyPr/>
-          <a:lstStyle/>
-          <a:p>
-            <a:r>
-              <a:rPr lang="en-US"/>
-              <a:t>Unit-testing</a:t>
-            </a:r>
-            <a:endParaRPr lang="en-US" dirty="0"/>
-          </a:p>
-        </p:txBody>
-      </p:sp>
-      <p:sp>
-        <p:nvSpPr>
-          <p:cNvPr id="4" name="Slide Number Placeholder 3">
-            <a:extLst>
-              <a:ext uri="{FF2B5EF4-FFF2-40B4-BE49-F238E27FC236}">
-                <a16:creationId xmlns:a16="http://schemas.microsoft.com/office/drawing/2014/main" id="{28A259D9-C967-7F44-C032-79B4FD8905C9}"/>
-              </a:ext>
-            </a:extLst>
-          </p:cNvPr>
-          <p:cNvSpPr>
-            <a:spLocks noGrp="1"/>
-          </p:cNvSpPr>
-          <p:nvPr>
-            <p:ph type="sldNum" sz="quarter" idx="4"/>
-          </p:nvPr>
-        </p:nvSpPr>
-        <p:spPr/>
-        <p:txBody>
-          <a:bodyPr/>
-          <a:lstStyle/>
-          <a:p>
-            <a:fld id="{58FB4751-880F-D840-AAA9-3A15815CC996}" type="slidenum">
-              <a:rPr lang="en-US" smtClean="0"/>
-              <a:pPr/>
-              <a:t>4</a:t>
-            </a:fld>
-            <a:endParaRPr lang="en-US" dirty="0"/>
-          </a:p>
-        </p:txBody>
-      </p:sp>
-    </p:spTree>
-    <p:extLst>
-      <p:ext uri="{BB962C8B-B14F-4D97-AF65-F5344CB8AC3E}">
-        <p14:creationId xmlns:p14="http://schemas.microsoft.com/office/powerpoint/2010/main" val="2512608001"/>
-      </p:ext>
-    </p:extLst>
-  </p:cSld>
-  <p:clrMapOvr>
-    <a:masterClrMapping/>
-  </p:clrMapOvr>
-</p:sld>
-</file>
-
-<file path=ppt/slides/slide5.xml><?xml version="1.0" encoding="utf-8"?>
-<p:sld xmlns:a="http://schemas.openxmlformats.org/drawingml/2006/main" xmlns:r="http://schemas.openxmlformats.org/officeDocument/2006/relationships" xmlns:p="http://schemas.openxmlformats.org/presentationml/2006/main">
-  <p:cSld>
-    <p:spTree>
-      <p:nvGrpSpPr>
-        <p:cNvPr id="1" name=""/>
-        <p:cNvGrpSpPr/>
-        <p:nvPr/>
-      </p:nvGrpSpPr>
-      <p:grpSpPr>
-        <a:xfrm>
-          <a:off x="0" y="0"/>
-          <a:ext cx="0" cy="0"/>
-          <a:chOff x="0" y="0"/>
-          <a:chExt cx="0" cy="0"/>
-        </a:xfrm>
-      </p:grpSpPr>
-      <p:sp>
-        <p:nvSpPr>
-          <p:cNvPr id="2" name="Title 1">
-            <a:extLst>
-              <a:ext uri="{FF2B5EF4-FFF2-40B4-BE49-F238E27FC236}">
                 <a16:creationId xmlns:a16="http://schemas.microsoft.com/office/drawing/2014/main" id="{7E116A2D-1390-006D-E00B-9BBBBFD13FCD}"/>
               </a:ext>
             </a:extLst>
@@ -27271,7 +27153,7 @@
             <a:fld id="{58FB4751-880F-D840-AAA9-3A15815CC996}" type="slidenum">
               <a:rPr lang="en-US" smtClean="0"/>
               <a:pPr/>
-              <a:t>5</a:t>
+              <a:t>4</a:t>
             </a:fld>
             <a:endParaRPr lang="en-US" dirty="0"/>
           </a:p>
@@ -27279,10 +27161,10 @@
       </p:sp>
       <p:pic>
         <p:nvPicPr>
-          <p:cNvPr id="8" name="Picture 7">
+          <p:cNvPr id="6" name="Picture 5">
             <a:extLst>
               <a:ext uri="{FF2B5EF4-FFF2-40B4-BE49-F238E27FC236}">
-                <a16:creationId xmlns:a16="http://schemas.microsoft.com/office/drawing/2014/main" id="{6BC48793-574C-8EDE-6916-3C196C057B88}"/>
+                <a16:creationId xmlns:a16="http://schemas.microsoft.com/office/drawing/2014/main" id="{7B77544F-D85A-ECAC-5D0D-FE6E1BDABEE8}"/>
               </a:ext>
             </a:extLst>
           </p:cNvPr>
@@ -27299,8 +27181,8 @@
         </p:blipFill>
         <p:spPr>
           <a:xfrm>
-            <a:off x="812785" y="1160759"/>
-            <a:ext cx="5283215" cy="4719045"/>
+            <a:off x="5822352" y="265176"/>
+            <a:ext cx="6099360" cy="5861304"/>
           </a:xfrm>
           <a:prstGeom prst="rect">
             <a:avLst/>
@@ -27309,10 +27191,10 @@
       </p:pic>
       <p:pic>
         <p:nvPicPr>
-          <p:cNvPr id="5" name="Picture 4">
+          <p:cNvPr id="8" name="Picture 7">
             <a:extLst>
               <a:ext uri="{FF2B5EF4-FFF2-40B4-BE49-F238E27FC236}">
-                <a16:creationId xmlns:a16="http://schemas.microsoft.com/office/drawing/2014/main" id="{2F202EA9-F0EA-D1F4-51C3-3AB4B4BB22E3}"/>
+                <a16:creationId xmlns:a16="http://schemas.microsoft.com/office/drawing/2014/main" id="{6BC48793-574C-8EDE-6916-3C196C057B88}"/>
               </a:ext>
             </a:extLst>
           </p:cNvPr>
@@ -27329,8 +27211,8 @@
         </p:blipFill>
         <p:spPr>
           <a:xfrm>
-            <a:off x="6797977" y="261163"/>
-            <a:ext cx="3752035" cy="6335673"/>
+            <a:off x="356616" y="1160759"/>
+            <a:ext cx="5283215" cy="4719045"/>
           </a:xfrm>
           <a:prstGeom prst="rect">
             <a:avLst/>
@@ -27350,7 +27232,7 @@
 </p:sld>
 </file>
 
-<file path=ppt/slides/slide6.xml><?xml version="1.0" encoding="utf-8"?>
+<file path=ppt/slides/slide5.xml><?xml version="1.0" encoding="utf-8"?>
 <p:sld xmlns:a="http://schemas.openxmlformats.org/drawingml/2006/main" xmlns:r="http://schemas.openxmlformats.org/officeDocument/2006/relationships" xmlns:p="http://schemas.openxmlformats.org/presentationml/2006/main">
   <p:cSld>
     <p:spTree>
@@ -27458,7 +27340,7 @@
             <a:fld id="{58FB4751-880F-D840-AAA9-3A15815CC996}" type="slidenum">
               <a:rPr lang="en-US" smtClean="0"/>
               <a:pPr/>
-              <a:t>6</a:t>
+              <a:t>5</a:t>
             </a:fld>
             <a:endParaRPr lang="en-US" dirty="0"/>
           </a:p>
@@ -27564,7 +27446,7 @@
 </p:sld>
 </file>
 
-<file path=ppt/slides/slide7.xml><?xml version="1.0" encoding="utf-8"?>
+<file path=ppt/slides/slide6.xml><?xml version="1.0" encoding="utf-8"?>
 <p:sld xmlns:a="http://schemas.openxmlformats.org/drawingml/2006/main" xmlns:r="http://schemas.openxmlformats.org/officeDocument/2006/relationships" xmlns:p="http://schemas.openxmlformats.org/presentationml/2006/main">
   <p:cSld>
     <p:spTree>
@@ -27638,7 +27520,7 @@
             <a:fld id="{58FB4751-880F-D840-AAA9-3A15815CC996}" type="slidenum">
               <a:rPr lang="en-US" smtClean="0"/>
               <a:pPr/>
-              <a:t>7</a:t>
+              <a:t>6</a:t>
             </a:fld>
             <a:endParaRPr lang="en-US" dirty="0"/>
           </a:p>

--- a/The Game of Chess.pptx
+++ b/The Game of Chess.pptx
@@ -5,18 +5,19 @@
     <p:sldMasterId id="2147483648" r:id="rId4"/>
   </p:sldMasterIdLst>
   <p:notesMasterIdLst>
-    <p:notesMasterId r:id="rId11"/>
+    <p:notesMasterId r:id="rId12"/>
   </p:notesMasterIdLst>
   <p:handoutMasterIdLst>
-    <p:handoutMasterId r:id="rId12"/>
+    <p:handoutMasterId r:id="rId13"/>
   </p:handoutMasterIdLst>
   <p:sldIdLst>
     <p:sldId id="317" r:id="rId5"/>
     <p:sldId id="321" r:id="rId6"/>
     <p:sldId id="328" r:id="rId7"/>
-    <p:sldId id="330" r:id="rId8"/>
-    <p:sldId id="325" r:id="rId9"/>
-    <p:sldId id="327" r:id="rId10"/>
+    <p:sldId id="329" r:id="rId8"/>
+    <p:sldId id="330" r:id="rId9"/>
+    <p:sldId id="325" r:id="rId10"/>
+    <p:sldId id="327" r:id="rId11"/>
   </p:sldIdLst>
   <p:sldSz cx="12192000" cy="6858000"/>
   <p:notesSz cx="6858000" cy="9144000"/>
@@ -27101,6 +27102,123 @@
           <p:cNvPr id="2" name="Title 1">
             <a:extLst>
               <a:ext uri="{FF2B5EF4-FFF2-40B4-BE49-F238E27FC236}">
+                <a16:creationId xmlns:a16="http://schemas.microsoft.com/office/drawing/2014/main" id="{D2D50458-F363-DCBF-A081-CA5FCD4565FF}"/>
+              </a:ext>
+            </a:extLst>
+          </p:cNvPr>
+          <p:cNvSpPr>
+            <a:spLocks noGrp="1"/>
+          </p:cNvSpPr>
+          <p:nvPr>
+            <p:ph type="title"/>
+          </p:nvPr>
+        </p:nvSpPr>
+        <p:spPr/>
+        <p:txBody>
+          <a:bodyPr/>
+          <a:lstStyle/>
+          <a:p>
+            <a:r>
+              <a:rPr lang="en-US" dirty="0"/>
+              <a:t>Testing for correctness</a:t>
+            </a:r>
+          </a:p>
+        </p:txBody>
+      </p:sp>
+      <p:sp>
+        <p:nvSpPr>
+          <p:cNvPr id="3" name="Content Placeholder 2">
+            <a:extLst>
+              <a:ext uri="{FF2B5EF4-FFF2-40B4-BE49-F238E27FC236}">
+                <a16:creationId xmlns:a16="http://schemas.microsoft.com/office/drawing/2014/main" id="{5E72A27C-6D0E-E66C-1FDC-F46D744E29D0}"/>
+              </a:ext>
+            </a:extLst>
+          </p:cNvPr>
+          <p:cNvSpPr>
+            <a:spLocks noGrp="1"/>
+          </p:cNvSpPr>
+          <p:nvPr>
+            <p:ph sz="quarter" idx="10"/>
+          </p:nvPr>
+        </p:nvSpPr>
+        <p:spPr/>
+        <p:txBody>
+          <a:bodyPr/>
+          <a:lstStyle/>
+          <a:p>
+            <a:r>
+              <a:rPr lang="en-US"/>
+              <a:t>Unit-testing</a:t>
+            </a:r>
+            <a:endParaRPr lang="en-US" dirty="0"/>
+          </a:p>
+        </p:txBody>
+      </p:sp>
+      <p:sp>
+        <p:nvSpPr>
+          <p:cNvPr id="4" name="Slide Number Placeholder 3">
+            <a:extLst>
+              <a:ext uri="{FF2B5EF4-FFF2-40B4-BE49-F238E27FC236}">
+                <a16:creationId xmlns:a16="http://schemas.microsoft.com/office/drawing/2014/main" id="{28A259D9-C967-7F44-C032-79B4FD8905C9}"/>
+              </a:ext>
+            </a:extLst>
+          </p:cNvPr>
+          <p:cNvSpPr>
+            <a:spLocks noGrp="1"/>
+          </p:cNvSpPr>
+          <p:nvPr>
+            <p:ph type="sldNum" sz="quarter" idx="4"/>
+          </p:nvPr>
+        </p:nvSpPr>
+        <p:spPr/>
+        <p:txBody>
+          <a:bodyPr/>
+          <a:lstStyle/>
+          <a:p>
+            <a:fld id="{58FB4751-880F-D840-AAA9-3A15815CC996}" type="slidenum">
+              <a:rPr lang="en-US" smtClean="0"/>
+              <a:pPr/>
+              <a:t>4</a:t>
+            </a:fld>
+            <a:endParaRPr lang="en-US" dirty="0"/>
+          </a:p>
+        </p:txBody>
+      </p:sp>
+    </p:spTree>
+    <p:extLst>
+      <p:ext uri="{BB962C8B-B14F-4D97-AF65-F5344CB8AC3E}">
+        <p14:creationId xmlns:p14="http://schemas.microsoft.com/office/powerpoint/2010/main" val="2512608001"/>
+      </p:ext>
+    </p:extLst>
+  </p:cSld>
+  <p:clrMapOvr>
+    <a:masterClrMapping/>
+  </p:clrMapOvr>
+</p:sld>
+</file>
+
+<file path=ppt/slides/slide5.xml><?xml version="1.0" encoding="utf-8"?>
+<p:sld xmlns:a="http://schemas.openxmlformats.org/drawingml/2006/main" xmlns:r="http://schemas.openxmlformats.org/officeDocument/2006/relationships" xmlns:p="http://schemas.openxmlformats.org/presentationml/2006/main">
+  <p:cSld>
+    <p:spTree>
+      <p:nvGrpSpPr>
+        <p:cNvPr id="1" name=""/>
+        <p:cNvGrpSpPr/>
+        <p:nvPr/>
+      </p:nvGrpSpPr>
+      <p:grpSpPr>
+        <a:xfrm>
+          <a:off x="0" y="0"/>
+          <a:ext cx="0" cy="0"/>
+          <a:chOff x="0" y="0"/>
+          <a:chExt cx="0" cy="0"/>
+        </a:xfrm>
+      </p:grpSpPr>
+      <p:sp>
+        <p:nvSpPr>
+          <p:cNvPr id="2" name="Title 1">
+            <a:extLst>
+              <a:ext uri="{FF2B5EF4-FFF2-40B4-BE49-F238E27FC236}">
                 <a16:creationId xmlns:a16="http://schemas.microsoft.com/office/drawing/2014/main" id="{7E116A2D-1390-006D-E00B-9BBBBFD13FCD}"/>
               </a:ext>
             </a:extLst>
@@ -27153,7 +27271,7 @@
             <a:fld id="{58FB4751-880F-D840-AAA9-3A15815CC996}" type="slidenum">
               <a:rPr lang="en-US" smtClean="0"/>
               <a:pPr/>
-              <a:t>4</a:t>
+              <a:t>5</a:t>
             </a:fld>
             <a:endParaRPr lang="en-US" dirty="0"/>
           </a:p>
@@ -27161,10 +27279,10 @@
       </p:sp>
       <p:pic>
         <p:nvPicPr>
-          <p:cNvPr id="6" name="Picture 5">
+          <p:cNvPr id="8" name="Picture 7">
             <a:extLst>
               <a:ext uri="{FF2B5EF4-FFF2-40B4-BE49-F238E27FC236}">
-                <a16:creationId xmlns:a16="http://schemas.microsoft.com/office/drawing/2014/main" id="{7B77544F-D85A-ECAC-5D0D-FE6E1BDABEE8}"/>
+                <a16:creationId xmlns:a16="http://schemas.microsoft.com/office/drawing/2014/main" id="{6BC48793-574C-8EDE-6916-3C196C057B88}"/>
               </a:ext>
             </a:extLst>
           </p:cNvPr>
@@ -27181,8 +27299,8 @@
         </p:blipFill>
         <p:spPr>
           <a:xfrm>
-            <a:off x="5822352" y="265176"/>
-            <a:ext cx="6099360" cy="5861304"/>
+            <a:off x="812785" y="1160759"/>
+            <a:ext cx="5283215" cy="4719045"/>
           </a:xfrm>
           <a:prstGeom prst="rect">
             <a:avLst/>
@@ -27191,10 +27309,10 @@
       </p:pic>
       <p:pic>
         <p:nvPicPr>
-          <p:cNvPr id="8" name="Picture 7">
+          <p:cNvPr id="5" name="Picture 4">
             <a:extLst>
               <a:ext uri="{FF2B5EF4-FFF2-40B4-BE49-F238E27FC236}">
-                <a16:creationId xmlns:a16="http://schemas.microsoft.com/office/drawing/2014/main" id="{6BC48793-574C-8EDE-6916-3C196C057B88}"/>
+                <a16:creationId xmlns:a16="http://schemas.microsoft.com/office/drawing/2014/main" id="{2F202EA9-F0EA-D1F4-51C3-3AB4B4BB22E3}"/>
               </a:ext>
             </a:extLst>
           </p:cNvPr>
@@ -27211,8 +27329,8 @@
         </p:blipFill>
         <p:spPr>
           <a:xfrm>
-            <a:off x="356616" y="1160759"/>
-            <a:ext cx="5283215" cy="4719045"/>
+            <a:off x="6797977" y="261163"/>
+            <a:ext cx="3752035" cy="6335673"/>
           </a:xfrm>
           <a:prstGeom prst="rect">
             <a:avLst/>
@@ -27232,7 +27350,7 @@
 </p:sld>
 </file>
 
-<file path=ppt/slides/slide5.xml><?xml version="1.0" encoding="utf-8"?>
+<file path=ppt/slides/slide6.xml><?xml version="1.0" encoding="utf-8"?>
 <p:sld xmlns:a="http://schemas.openxmlformats.org/drawingml/2006/main" xmlns:r="http://schemas.openxmlformats.org/officeDocument/2006/relationships" xmlns:p="http://schemas.openxmlformats.org/presentationml/2006/main">
   <p:cSld>
     <p:spTree>
@@ -27340,7 +27458,7 @@
             <a:fld id="{58FB4751-880F-D840-AAA9-3A15815CC996}" type="slidenum">
               <a:rPr lang="en-US" smtClean="0"/>
               <a:pPr/>
-              <a:t>5</a:t>
+              <a:t>6</a:t>
             </a:fld>
             <a:endParaRPr lang="en-US" dirty="0"/>
           </a:p>
@@ -27446,7 +27564,7 @@
 </p:sld>
 </file>
 
-<file path=ppt/slides/slide6.xml><?xml version="1.0" encoding="utf-8"?>
+<file path=ppt/slides/slide7.xml><?xml version="1.0" encoding="utf-8"?>
 <p:sld xmlns:a="http://schemas.openxmlformats.org/drawingml/2006/main" xmlns:r="http://schemas.openxmlformats.org/officeDocument/2006/relationships" xmlns:p="http://schemas.openxmlformats.org/presentationml/2006/main">
   <p:cSld>
     <p:spTree>
@@ -27520,7 +27638,7 @@
             <a:fld id="{58FB4751-880F-D840-AAA9-3A15815CC996}" type="slidenum">
               <a:rPr lang="en-US" smtClean="0"/>
               <a:pPr/>
-              <a:t>6</a:t>
+              <a:t>7</a:t>
             </a:fld>
             <a:endParaRPr lang="en-US" dirty="0"/>
           </a:p>

--- a/The Game of Chess.pptx
+++ b/The Game of Chess.pptx
@@ -27113,7 +27113,12 @@
             <p:ph type="title"/>
           </p:nvPr>
         </p:nvSpPr>
-        <p:spPr/>
+        <p:spPr>
+          <a:xfrm>
+            <a:off x="293071" y="133875"/>
+            <a:ext cx="7534656" cy="914400"/>
+          </a:xfrm>
+        </p:spPr>
         <p:txBody>
           <a:bodyPr/>
           <a:lstStyle/>
@@ -27122,35 +27127,6 @@
               <a:rPr lang="en-US" dirty="0"/>
               <a:t>Testing for correctness</a:t>
             </a:r>
-          </a:p>
-        </p:txBody>
-      </p:sp>
-      <p:sp>
-        <p:nvSpPr>
-          <p:cNvPr id="3" name="Content Placeholder 2">
-            <a:extLst>
-              <a:ext uri="{FF2B5EF4-FFF2-40B4-BE49-F238E27FC236}">
-                <a16:creationId xmlns:a16="http://schemas.microsoft.com/office/drawing/2014/main" id="{5E72A27C-6D0E-E66C-1FDC-F46D744E29D0}"/>
-              </a:ext>
-            </a:extLst>
-          </p:cNvPr>
-          <p:cNvSpPr>
-            <a:spLocks noGrp="1"/>
-          </p:cNvSpPr>
-          <p:nvPr>
-            <p:ph sz="quarter" idx="10"/>
-          </p:nvPr>
-        </p:nvSpPr>
-        <p:spPr/>
-        <p:txBody>
-          <a:bodyPr/>
-          <a:lstStyle/>
-          <a:p>
-            <a:r>
-              <a:rPr lang="en-US"/>
-              <a:t>Unit-testing</a:t>
-            </a:r>
-            <a:endParaRPr lang="en-US" dirty="0"/>
           </a:p>
         </p:txBody>
       </p:sp>
@@ -27184,6 +27160,94 @@
           </a:p>
         </p:txBody>
       </p:sp>
+      <p:pic>
+        <p:nvPicPr>
+          <p:cNvPr id="6" name="Picture 5">
+            <a:extLst>
+              <a:ext uri="{FF2B5EF4-FFF2-40B4-BE49-F238E27FC236}">
+                <a16:creationId xmlns:a16="http://schemas.microsoft.com/office/drawing/2014/main" id="{CB4C8ED0-1288-86D2-D1AF-7AE5C0EBA2F8}"/>
+              </a:ext>
+            </a:extLst>
+          </p:cNvPr>
+          <p:cNvPicPr>
+            <a:picLocks noChangeAspect="1"/>
+          </p:cNvPicPr>
+          <p:nvPr/>
+        </p:nvPicPr>
+        <p:blipFill rotWithShape="1">
+          <a:blip r:embed="rId2"/>
+          <a:srcRect r="31185"/>
+          <a:stretch/>
+        </p:blipFill>
+        <p:spPr>
+          <a:xfrm>
+            <a:off x="293071" y="1891811"/>
+            <a:ext cx="4332240" cy="1138491"/>
+          </a:xfrm>
+          <a:prstGeom prst="rect">
+            <a:avLst/>
+          </a:prstGeom>
+        </p:spPr>
+      </p:pic>
+      <p:pic>
+        <p:nvPicPr>
+          <p:cNvPr id="8" name="Picture 7">
+            <a:extLst>
+              <a:ext uri="{FF2B5EF4-FFF2-40B4-BE49-F238E27FC236}">
+                <a16:creationId xmlns:a16="http://schemas.microsoft.com/office/drawing/2014/main" id="{F0139B16-A94B-5E78-F7BF-3ACA68F00125}"/>
+              </a:ext>
+            </a:extLst>
+          </p:cNvPr>
+          <p:cNvPicPr>
+            <a:picLocks noChangeAspect="1"/>
+          </p:cNvPicPr>
+          <p:nvPr/>
+        </p:nvPicPr>
+        <p:blipFill>
+          <a:blip r:embed="rId3"/>
+          <a:stretch>
+            <a:fillRect/>
+          </a:stretch>
+        </p:blipFill>
+        <p:spPr>
+          <a:xfrm>
+            <a:off x="4759823" y="1151176"/>
+            <a:ext cx="7255393" cy="4810712"/>
+          </a:xfrm>
+          <a:prstGeom prst="rect">
+            <a:avLst/>
+          </a:prstGeom>
+        </p:spPr>
+      </p:pic>
+      <p:pic>
+        <p:nvPicPr>
+          <p:cNvPr id="10" name="Picture 9">
+            <a:extLst>
+              <a:ext uri="{FF2B5EF4-FFF2-40B4-BE49-F238E27FC236}">
+                <a16:creationId xmlns:a16="http://schemas.microsoft.com/office/drawing/2014/main" id="{0E4AC643-686B-8D94-79E9-7D59C5ABF03C}"/>
+              </a:ext>
+            </a:extLst>
+          </p:cNvPr>
+          <p:cNvPicPr>
+            <a:picLocks noChangeAspect="1"/>
+          </p:cNvPicPr>
+          <p:nvPr/>
+        </p:nvPicPr>
+        <p:blipFill rotWithShape="1">
+          <a:blip r:embed="rId4"/>
+          <a:srcRect r="39658"/>
+          <a:stretch/>
+        </p:blipFill>
+        <p:spPr>
+          <a:xfrm>
+            <a:off x="293071" y="3030302"/>
+            <a:ext cx="4332240" cy="2373802"/>
+          </a:xfrm>
+          <a:prstGeom prst="rect">
+            <a:avLst/>
+          </a:prstGeom>
+        </p:spPr>
+      </p:pic>
     </p:spTree>
     <p:extLst>
       <p:ext uri="{BB962C8B-B14F-4D97-AF65-F5344CB8AC3E}">
@@ -27413,7 +27477,7 @@
         </p:nvSpPr>
         <p:spPr>
           <a:xfrm>
-            <a:off x="804672" y="2342849"/>
+            <a:off x="364267" y="2777298"/>
             <a:ext cx="7150608" cy="3356576"/>
           </a:xfrm>
         </p:spPr>
@@ -27543,8 +27607,8 @@
         </p:blipFill>
         <p:spPr>
           <a:xfrm>
-            <a:off x="8462704" y="2342849"/>
-            <a:ext cx="3641956" cy="2404872"/>
+            <a:off x="6242957" y="2342848"/>
+            <a:ext cx="5861703" cy="3870625"/>
           </a:xfrm>
           <a:prstGeom prst="rect">
             <a:avLst/>
@@ -28774,15 +28838,6 @@
 </file>
 
 <file path=customXml/item1.xml><?xml version="1.0" encoding="utf-8"?>
-<?mso-contentType ?>
-<FormTemplates xmlns="http://schemas.microsoft.com/sharepoint/v3/contenttype/forms">
-  <Display>DocumentLibraryForm</Display>
-  <Edit>DocumentLibraryForm</Edit>
-  <New>DocumentLibraryForm</New>
-</FormTemplates>
-</file>
-
-<file path=customXml/item2.xml><?xml version="1.0" encoding="utf-8"?>
 <ct:contentTypeSchema xmlns:ct="http://schemas.microsoft.com/office/2006/metadata/contentType" xmlns:ma="http://schemas.microsoft.com/office/2006/metadata/properties/metaAttributes" ct:_="" ma:_="" ma:contentTypeName="Document" ma:contentTypeID="0x01010079F111ED35F8CC479449609E8A0923A6" ma:contentTypeVersion="28" ma:contentTypeDescription="Create a new document." ma:contentTypeScope="" ma:versionID="60f5a4f2d2b0abadcf532d48ebf9cb71">
   <xsd:schema xmlns:xsd="http://www.w3.org/2001/XMLSchema" xmlns:xs="http://www.w3.org/2001/XMLSchema" xmlns:p="http://schemas.microsoft.com/office/2006/metadata/properties" xmlns:ns1="http://schemas.microsoft.com/sharepoint/v3" xmlns:ns2="71af3243-3dd4-4a8d-8c0d-dd76da1f02a5" xmlns:ns3="16c05727-aa75-4e4a-9b5f-8a80a1165891" xmlns:ns4="230e9df3-be65-4c73-a93b-d1236ebd677e" targetNamespace="http://schemas.microsoft.com/office/2006/metadata/properties" ma:root="true" ma:fieldsID="7dd78129e6a1811f84807ad11c651531" ns1:_="" ns2:_="" ns3:_="" ns4:_="">
     <xsd:import namespace="http://schemas.microsoft.com/sharepoint/v3"/>
@@ -29094,6 +29149,15 @@
 </ct:contentTypeSchema>
 </file>
 
+<file path=customXml/item2.xml><?xml version="1.0" encoding="utf-8"?>
+<?mso-contentType ?>
+<FormTemplates xmlns="http://schemas.microsoft.com/sharepoint/v3/contenttype/forms">
+  <Display>DocumentLibraryForm</Display>
+  <Edit>DocumentLibraryForm</Edit>
+  <New>DocumentLibraryForm</New>
+</FormTemplates>
+</file>
+
 <file path=customXml/item3.xml><?xml version="1.0" encoding="utf-8"?>
 <p:properties xmlns:p="http://schemas.microsoft.com/office/2006/metadata/properties" xmlns:xsi="http://www.w3.org/2001/XMLSchema-instance" xmlns:pc="http://schemas.microsoft.com/office/infopath/2007/PartnerControls">
   <documentManagement>
@@ -29115,14 +29179,6 @@
 </file>
 
 <file path=customXml/itemProps1.xml><?xml version="1.0" encoding="utf-8"?>
-<ds:datastoreItem xmlns:ds="http://schemas.openxmlformats.org/officeDocument/2006/customXml" ds:itemID="{1249AD37-9510-4A2D-B790-12C439A83F93}">
-  <ds:schemaRefs>
-    <ds:schemaRef ds:uri="http://schemas.microsoft.com/sharepoint/v3/contenttype/forms"/>
-  </ds:schemaRefs>
-</ds:datastoreItem>
-</file>
-
-<file path=customXml/itemProps2.xml><?xml version="1.0" encoding="utf-8"?>
 <ds:datastoreItem xmlns:ds="http://schemas.openxmlformats.org/officeDocument/2006/customXml" ds:itemID="{4D8B1D1D-0064-435C-8533-29A36067B8ED}">
   <ds:schemaRefs>
     <ds:schemaRef ds:uri="http://schemas.microsoft.com/office/2006/metadata/contentType"/>
@@ -29143,6 +29199,14 @@
 </ds:datastoreItem>
 </file>
 
+<file path=customXml/itemProps2.xml><?xml version="1.0" encoding="utf-8"?>
+<ds:datastoreItem xmlns:ds="http://schemas.openxmlformats.org/officeDocument/2006/customXml" ds:itemID="{1249AD37-9510-4A2D-B790-12C439A83F93}">
+  <ds:schemaRefs>
+    <ds:schemaRef ds:uri="http://schemas.microsoft.com/sharepoint/v3/contenttype/forms"/>
+  </ds:schemaRefs>
+</ds:datastoreItem>
+</file>
+
 <file path=customXml/itemProps3.xml><?xml version="1.0" encoding="utf-8"?>
 <ds:datastoreItem xmlns:ds="http://schemas.openxmlformats.org/officeDocument/2006/customXml" ds:itemID="{85DF9CEC-52C2-4D14-B2F5-11176002A8B6}">
   <ds:schemaRefs>

--- a/The Game of Chess.pptx
+++ b/The Game of Chess.pptx
@@ -27327,7 +27327,12 @@
             <p:ph type="sldNum" sz="quarter" idx="4"/>
           </p:nvPr>
         </p:nvSpPr>
-        <p:spPr/>
+        <p:spPr>
+          <a:xfrm>
+            <a:off x="11504676" y="6090116"/>
+            <a:ext cx="661416" cy="895899"/>
+          </a:xfrm>
+        </p:spPr>
         <p:txBody>
           <a:bodyPr/>
           <a:lstStyle/>
@@ -27363,7 +27368,7 @@
         </p:blipFill>
         <p:spPr>
           <a:xfrm>
-            <a:off x="812785" y="1160759"/>
+            <a:off x="356616" y="1160759"/>
             <a:ext cx="5283215" cy="4719045"/>
           </a:xfrm>
           <a:prstGeom prst="rect">
@@ -27373,10 +27378,10 @@
       </p:pic>
       <p:pic>
         <p:nvPicPr>
-          <p:cNvPr id="5" name="Picture 4">
+          <p:cNvPr id="6" name="Picture 5">
             <a:extLst>
               <a:ext uri="{FF2B5EF4-FFF2-40B4-BE49-F238E27FC236}">
-                <a16:creationId xmlns:a16="http://schemas.microsoft.com/office/drawing/2014/main" id="{2F202EA9-F0EA-D1F4-51C3-3AB4B4BB22E3}"/>
+                <a16:creationId xmlns:a16="http://schemas.microsoft.com/office/drawing/2014/main" id="{85BD3A2F-AF0C-0776-E132-8F46F476DB93}"/>
               </a:ext>
             </a:extLst>
           </p:cNvPr>
@@ -27393,8 +27398,8 @@
         </p:blipFill>
         <p:spPr>
           <a:xfrm>
-            <a:off x="6797977" y="261163"/>
-            <a:ext cx="3752035" cy="6335673"/>
+            <a:off x="5747004" y="405649"/>
+            <a:ext cx="6088380" cy="5953653"/>
           </a:xfrm>
           <a:prstGeom prst="rect">
             <a:avLst/>
@@ -28838,6 +28843,15 @@
 </file>
 
 <file path=customXml/item1.xml><?xml version="1.0" encoding="utf-8"?>
+<?mso-contentType ?>
+<FormTemplates xmlns="http://schemas.microsoft.com/sharepoint/v3/contenttype/forms">
+  <Display>DocumentLibraryForm</Display>
+  <Edit>DocumentLibraryForm</Edit>
+  <New>DocumentLibraryForm</New>
+</FormTemplates>
+</file>
+
+<file path=customXml/item2.xml><?xml version="1.0" encoding="utf-8"?>
 <ct:contentTypeSchema xmlns:ct="http://schemas.microsoft.com/office/2006/metadata/contentType" xmlns:ma="http://schemas.microsoft.com/office/2006/metadata/properties/metaAttributes" ct:_="" ma:_="" ma:contentTypeName="Document" ma:contentTypeID="0x01010079F111ED35F8CC479449609E8A0923A6" ma:contentTypeVersion="28" ma:contentTypeDescription="Create a new document." ma:contentTypeScope="" ma:versionID="60f5a4f2d2b0abadcf532d48ebf9cb71">
   <xsd:schema xmlns:xsd="http://www.w3.org/2001/XMLSchema" xmlns:xs="http://www.w3.org/2001/XMLSchema" xmlns:p="http://schemas.microsoft.com/office/2006/metadata/properties" xmlns:ns1="http://schemas.microsoft.com/sharepoint/v3" xmlns:ns2="71af3243-3dd4-4a8d-8c0d-dd76da1f02a5" xmlns:ns3="16c05727-aa75-4e4a-9b5f-8a80a1165891" xmlns:ns4="230e9df3-be65-4c73-a93b-d1236ebd677e" targetNamespace="http://schemas.microsoft.com/office/2006/metadata/properties" ma:root="true" ma:fieldsID="7dd78129e6a1811f84807ad11c651531" ns1:_="" ns2:_="" ns3:_="" ns4:_="">
     <xsd:import namespace="http://schemas.microsoft.com/sharepoint/v3"/>
@@ -29149,15 +29163,6 @@
 </ct:contentTypeSchema>
 </file>
 
-<file path=customXml/item2.xml><?xml version="1.0" encoding="utf-8"?>
-<?mso-contentType ?>
-<FormTemplates xmlns="http://schemas.microsoft.com/sharepoint/v3/contenttype/forms">
-  <Display>DocumentLibraryForm</Display>
-  <Edit>DocumentLibraryForm</Edit>
-  <New>DocumentLibraryForm</New>
-</FormTemplates>
-</file>
-
 <file path=customXml/item3.xml><?xml version="1.0" encoding="utf-8"?>
 <p:properties xmlns:p="http://schemas.microsoft.com/office/2006/metadata/properties" xmlns:xsi="http://www.w3.org/2001/XMLSchema-instance" xmlns:pc="http://schemas.microsoft.com/office/infopath/2007/PartnerControls">
   <documentManagement>
@@ -29179,6 +29184,14 @@
 </file>
 
 <file path=customXml/itemProps1.xml><?xml version="1.0" encoding="utf-8"?>
+<ds:datastoreItem xmlns:ds="http://schemas.openxmlformats.org/officeDocument/2006/customXml" ds:itemID="{1249AD37-9510-4A2D-B790-12C439A83F93}">
+  <ds:schemaRefs>
+    <ds:schemaRef ds:uri="http://schemas.microsoft.com/sharepoint/v3/contenttype/forms"/>
+  </ds:schemaRefs>
+</ds:datastoreItem>
+</file>
+
+<file path=customXml/itemProps2.xml><?xml version="1.0" encoding="utf-8"?>
 <ds:datastoreItem xmlns:ds="http://schemas.openxmlformats.org/officeDocument/2006/customXml" ds:itemID="{4D8B1D1D-0064-435C-8533-29A36067B8ED}">
   <ds:schemaRefs>
     <ds:schemaRef ds:uri="http://schemas.microsoft.com/office/2006/metadata/contentType"/>
@@ -29199,14 +29212,6 @@
 </ds:datastoreItem>
 </file>
 
-<file path=customXml/itemProps2.xml><?xml version="1.0" encoding="utf-8"?>
-<ds:datastoreItem xmlns:ds="http://schemas.openxmlformats.org/officeDocument/2006/customXml" ds:itemID="{1249AD37-9510-4A2D-B790-12C439A83F93}">
-  <ds:schemaRefs>
-    <ds:schemaRef ds:uri="http://schemas.microsoft.com/sharepoint/v3/contenttype/forms"/>
-  </ds:schemaRefs>
-</ds:datastoreItem>
-</file>
-
 <file path=customXml/itemProps3.xml><?xml version="1.0" encoding="utf-8"?>
 <ds:datastoreItem xmlns:ds="http://schemas.openxmlformats.org/officeDocument/2006/customXml" ds:itemID="{85DF9CEC-52C2-4D14-B2F5-11176002A8B6}">
   <ds:schemaRefs>

--- a/The Game of Chess.pptx
+++ b/The Game of Chess.pptx
@@ -221,7 +221,7 @@
           <a:p>
             <a:fld id="{FD913024-4032-4B4F-8680-09D5E08EDB6E}" type="datetimeFigureOut">
               <a:rPr lang="en-US" smtClean="0"/>
-              <a:t>4/25/2024</a:t>
+              <a:t>4/26/2024</a:t>
             </a:fld>
             <a:endParaRPr lang="en-US" dirty="0"/>
           </a:p>
@@ -398,7 +398,7 @@
           <a:p>
             <a:fld id="{F2AE225E-43E0-7047-8ADB-DD9EBB41B4D0}" type="datetimeFigureOut">
               <a:rPr lang="en-US" noProof="0" smtClean="0"/>
-              <a:t>4/25/2024</a:t>
+              <a:t>4/26/2024</a:t>
             </a:fld>
             <a:endParaRPr lang="en-US" noProof="0" dirty="0"/>
           </a:p>
@@ -26791,7 +26791,12 @@
             <p:ph type="title"/>
           </p:nvPr>
         </p:nvSpPr>
-        <p:spPr/>
+        <p:spPr>
+          <a:xfrm>
+            <a:off x="218661" y="1019556"/>
+            <a:ext cx="7534656" cy="914400"/>
+          </a:xfrm>
+        </p:spPr>
         <p:txBody>
           <a:bodyPr/>
           <a:lstStyle/>
@@ -26897,6 +26902,36 @@
           </a:p>
         </p:txBody>
       </p:sp>
+      <p:pic>
+        <p:nvPicPr>
+          <p:cNvPr id="5" name="Picture 4">
+            <a:extLst>
+              <a:ext uri="{FF2B5EF4-FFF2-40B4-BE49-F238E27FC236}">
+                <a16:creationId xmlns:a16="http://schemas.microsoft.com/office/drawing/2014/main" id="{250BA987-1EC7-F422-109C-2C2D1FD57BAB}"/>
+              </a:ext>
+            </a:extLst>
+          </p:cNvPr>
+          <p:cNvPicPr>
+            <a:picLocks noChangeAspect="1"/>
+          </p:cNvPicPr>
+          <p:nvPr/>
+        </p:nvPicPr>
+        <p:blipFill>
+          <a:blip r:embed="rId2"/>
+          <a:stretch>
+            <a:fillRect/>
+          </a:stretch>
+        </p:blipFill>
+        <p:spPr>
+          <a:xfrm>
+            <a:off x="7070194" y="1277986"/>
+            <a:ext cx="4705954" cy="4601818"/>
+          </a:xfrm>
+          <a:prstGeom prst="rect">
+            <a:avLst/>
+          </a:prstGeom>
+        </p:spPr>
+      </p:pic>
     </p:spTree>
     <p:extLst>
       <p:ext uri="{BB962C8B-B14F-4D97-AF65-F5344CB8AC3E}">
@@ -28843,15 +28878,6 @@
 </file>
 
 <file path=customXml/item1.xml><?xml version="1.0" encoding="utf-8"?>
-<?mso-contentType ?>
-<FormTemplates xmlns="http://schemas.microsoft.com/sharepoint/v3/contenttype/forms">
-  <Display>DocumentLibraryForm</Display>
-  <Edit>DocumentLibraryForm</Edit>
-  <New>DocumentLibraryForm</New>
-</FormTemplates>
-</file>
-
-<file path=customXml/item2.xml><?xml version="1.0" encoding="utf-8"?>
 <ct:contentTypeSchema xmlns:ct="http://schemas.microsoft.com/office/2006/metadata/contentType" xmlns:ma="http://schemas.microsoft.com/office/2006/metadata/properties/metaAttributes" ct:_="" ma:_="" ma:contentTypeName="Document" ma:contentTypeID="0x01010079F111ED35F8CC479449609E8A0923A6" ma:contentTypeVersion="28" ma:contentTypeDescription="Create a new document." ma:contentTypeScope="" ma:versionID="60f5a4f2d2b0abadcf532d48ebf9cb71">
   <xsd:schema xmlns:xsd="http://www.w3.org/2001/XMLSchema" xmlns:xs="http://www.w3.org/2001/XMLSchema" xmlns:p="http://schemas.microsoft.com/office/2006/metadata/properties" xmlns:ns1="http://schemas.microsoft.com/sharepoint/v3" xmlns:ns2="71af3243-3dd4-4a8d-8c0d-dd76da1f02a5" xmlns:ns3="16c05727-aa75-4e4a-9b5f-8a80a1165891" xmlns:ns4="230e9df3-be65-4c73-a93b-d1236ebd677e" targetNamespace="http://schemas.microsoft.com/office/2006/metadata/properties" ma:root="true" ma:fieldsID="7dd78129e6a1811f84807ad11c651531" ns1:_="" ns2:_="" ns3:_="" ns4:_="">
     <xsd:import namespace="http://schemas.microsoft.com/sharepoint/v3"/>
@@ -29163,6 +29189,15 @@
 </ct:contentTypeSchema>
 </file>
 
+<file path=customXml/item2.xml><?xml version="1.0" encoding="utf-8"?>
+<?mso-contentType ?>
+<FormTemplates xmlns="http://schemas.microsoft.com/sharepoint/v3/contenttype/forms">
+  <Display>DocumentLibraryForm</Display>
+  <Edit>DocumentLibraryForm</Edit>
+  <New>DocumentLibraryForm</New>
+</FormTemplates>
+</file>
+
 <file path=customXml/item3.xml><?xml version="1.0" encoding="utf-8"?>
 <p:properties xmlns:p="http://schemas.microsoft.com/office/2006/metadata/properties" xmlns:xsi="http://www.w3.org/2001/XMLSchema-instance" xmlns:pc="http://schemas.microsoft.com/office/infopath/2007/PartnerControls">
   <documentManagement>
@@ -29184,14 +29219,6 @@
 </file>
 
 <file path=customXml/itemProps1.xml><?xml version="1.0" encoding="utf-8"?>
-<ds:datastoreItem xmlns:ds="http://schemas.openxmlformats.org/officeDocument/2006/customXml" ds:itemID="{1249AD37-9510-4A2D-B790-12C439A83F93}">
-  <ds:schemaRefs>
-    <ds:schemaRef ds:uri="http://schemas.microsoft.com/sharepoint/v3/contenttype/forms"/>
-  </ds:schemaRefs>
-</ds:datastoreItem>
-</file>
-
-<file path=customXml/itemProps2.xml><?xml version="1.0" encoding="utf-8"?>
 <ds:datastoreItem xmlns:ds="http://schemas.openxmlformats.org/officeDocument/2006/customXml" ds:itemID="{4D8B1D1D-0064-435C-8533-29A36067B8ED}">
   <ds:schemaRefs>
     <ds:schemaRef ds:uri="http://schemas.microsoft.com/office/2006/metadata/contentType"/>
@@ -29212,6 +29239,14 @@
 </ds:datastoreItem>
 </file>
 
+<file path=customXml/itemProps2.xml><?xml version="1.0" encoding="utf-8"?>
+<ds:datastoreItem xmlns:ds="http://schemas.openxmlformats.org/officeDocument/2006/customXml" ds:itemID="{1249AD37-9510-4A2D-B790-12C439A83F93}">
+  <ds:schemaRefs>
+    <ds:schemaRef ds:uri="http://schemas.microsoft.com/sharepoint/v3/contenttype/forms"/>
+  </ds:schemaRefs>
+</ds:datastoreItem>
+</file>
+
 <file path=customXml/itemProps3.xml><?xml version="1.0" encoding="utf-8"?>
 <ds:datastoreItem xmlns:ds="http://schemas.openxmlformats.org/officeDocument/2006/customXml" ds:itemID="{85DF9CEC-52C2-4D14-B2F5-11176002A8B6}">
   <ds:schemaRefs>
